--- a/Tidyr Basics.pptx
+++ b/Tidyr Basics.pptx
@@ -269,7 +269,7 @@
           <a:p>
             <a:fld id="{EE0C2D73-C283-479A-965E-12534D588981}" type="datetimeFigureOut">
               <a:rPr lang="en-US" smtClean="0"/>
-              <a:t>9/24/2020</a:t>
+              <a:t>9/25/2020</a:t>
             </a:fld>
             <a:endParaRPr lang="en-US"/>
           </a:p>
@@ -439,7 +439,7 @@
           <a:p>
             <a:fld id="{EE0C2D73-C283-479A-965E-12534D588981}" type="datetimeFigureOut">
               <a:rPr lang="en-US" smtClean="0"/>
-              <a:t>9/24/2020</a:t>
+              <a:t>9/25/2020</a:t>
             </a:fld>
             <a:endParaRPr lang="en-US"/>
           </a:p>
@@ -619,7 +619,7 @@
           <a:p>
             <a:fld id="{EE0C2D73-C283-479A-965E-12534D588981}" type="datetimeFigureOut">
               <a:rPr lang="en-US" smtClean="0"/>
-              <a:t>9/24/2020</a:t>
+              <a:t>9/25/2020</a:t>
             </a:fld>
             <a:endParaRPr lang="en-US"/>
           </a:p>
@@ -789,7 +789,7 @@
           <a:p>
             <a:fld id="{EE0C2D73-C283-479A-965E-12534D588981}" type="datetimeFigureOut">
               <a:rPr lang="en-US" smtClean="0"/>
-              <a:t>9/24/2020</a:t>
+              <a:t>9/25/2020</a:t>
             </a:fld>
             <a:endParaRPr lang="en-US"/>
           </a:p>
@@ -1033,7 +1033,7 @@
           <a:p>
             <a:fld id="{EE0C2D73-C283-479A-965E-12534D588981}" type="datetimeFigureOut">
               <a:rPr lang="en-US" smtClean="0"/>
-              <a:t>9/24/2020</a:t>
+              <a:t>9/25/2020</a:t>
             </a:fld>
             <a:endParaRPr lang="en-US"/>
           </a:p>
@@ -1265,7 +1265,7 @@
           <a:p>
             <a:fld id="{EE0C2D73-C283-479A-965E-12534D588981}" type="datetimeFigureOut">
               <a:rPr lang="en-US" smtClean="0"/>
-              <a:t>9/24/2020</a:t>
+              <a:t>9/25/2020</a:t>
             </a:fld>
             <a:endParaRPr lang="en-US"/>
           </a:p>
@@ -1632,7 +1632,7 @@
           <a:p>
             <a:fld id="{EE0C2D73-C283-479A-965E-12534D588981}" type="datetimeFigureOut">
               <a:rPr lang="en-US" smtClean="0"/>
-              <a:t>9/24/2020</a:t>
+              <a:t>9/25/2020</a:t>
             </a:fld>
             <a:endParaRPr lang="en-US"/>
           </a:p>
@@ -1750,7 +1750,7 @@
           <a:p>
             <a:fld id="{EE0C2D73-C283-479A-965E-12534D588981}" type="datetimeFigureOut">
               <a:rPr lang="en-US" smtClean="0"/>
-              <a:t>9/24/2020</a:t>
+              <a:t>9/25/2020</a:t>
             </a:fld>
             <a:endParaRPr lang="en-US"/>
           </a:p>
@@ -1845,7 +1845,7 @@
           <a:p>
             <a:fld id="{EE0C2D73-C283-479A-965E-12534D588981}" type="datetimeFigureOut">
               <a:rPr lang="en-US" smtClean="0"/>
-              <a:t>9/24/2020</a:t>
+              <a:t>9/25/2020</a:t>
             </a:fld>
             <a:endParaRPr lang="en-US"/>
           </a:p>
@@ -2122,7 +2122,7 @@
           <a:p>
             <a:fld id="{EE0C2D73-C283-479A-965E-12534D588981}" type="datetimeFigureOut">
               <a:rPr lang="en-US" smtClean="0"/>
-              <a:t>9/24/2020</a:t>
+              <a:t>9/25/2020</a:t>
             </a:fld>
             <a:endParaRPr lang="en-US"/>
           </a:p>
@@ -2379,7 +2379,7 @@
           <a:p>
             <a:fld id="{EE0C2D73-C283-479A-965E-12534D588981}" type="datetimeFigureOut">
               <a:rPr lang="en-US" smtClean="0"/>
-              <a:t>9/24/2020</a:t>
+              <a:t>9/25/2020</a:t>
             </a:fld>
             <a:endParaRPr lang="en-US"/>
           </a:p>
@@ -2592,7 +2592,7 @@
           <a:p>
             <a:fld id="{EE0C2D73-C283-479A-965E-12534D588981}" type="datetimeFigureOut">
               <a:rPr lang="en-US" smtClean="0"/>
-              <a:t>9/24/2020</a:t>
+              <a:t>9/25/2020</a:t>
             </a:fld>
             <a:endParaRPr lang="en-US"/>
           </a:p>
